--- a/Aula04-Entrada de Dados e Botões/Aula04-Entrada de Dados e Botões.pptx
+++ b/Aula04-Entrada de Dados e Botões/Aula04-Entrada de Dados e Botões.pptx
@@ -350,7 +350,7 @@
             <a:fld id="{1D8BD707-D9CF-40AE-B4C6-C98DA3205C09}" type="datetimeFigureOut">
               <a:rPr lang="en-US" smtClean="0"/>
               <a:pPr/>
-              <a:t>11/15/2025</a:t>
+              <a:t>11/24/2025</a:t>
             </a:fld>
             <a:endParaRPr lang="en-US"/>
           </a:p>
@@ -515,7 +515,7 @@
             <a:fld id="{1D8BD707-D9CF-40AE-B4C6-C98DA3205C09}" type="datetimeFigureOut">
               <a:rPr lang="en-US" smtClean="0"/>
               <a:pPr/>
-              <a:t>11/15/2025</a:t>
+              <a:t>11/24/2025</a:t>
             </a:fld>
             <a:endParaRPr lang="en-US"/>
           </a:p>
@@ -690,7 +690,7 @@
             <a:fld id="{1D8BD707-D9CF-40AE-B4C6-C98DA3205C09}" type="datetimeFigureOut">
               <a:rPr lang="en-US" smtClean="0"/>
               <a:pPr/>
-              <a:t>11/15/2025</a:t>
+              <a:t>11/24/2025</a:t>
             </a:fld>
             <a:endParaRPr lang="en-US"/>
           </a:p>
@@ -855,7 +855,7 @@
             <a:fld id="{1D8BD707-D9CF-40AE-B4C6-C98DA3205C09}" type="datetimeFigureOut">
               <a:rPr lang="en-US" smtClean="0"/>
               <a:pPr/>
-              <a:t>11/15/2025</a:t>
+              <a:t>11/24/2025</a:t>
             </a:fld>
             <a:endParaRPr lang="en-US"/>
           </a:p>
@@ -1097,7 +1097,7 @@
             <a:fld id="{1D8BD707-D9CF-40AE-B4C6-C98DA3205C09}" type="datetimeFigureOut">
               <a:rPr lang="en-US" smtClean="0"/>
               <a:pPr/>
-              <a:t>11/15/2025</a:t>
+              <a:t>11/24/2025</a:t>
             </a:fld>
             <a:endParaRPr lang="en-US"/>
           </a:p>
@@ -1379,7 +1379,7 @@
             <a:fld id="{1D8BD707-D9CF-40AE-B4C6-C98DA3205C09}" type="datetimeFigureOut">
               <a:rPr lang="en-US" smtClean="0"/>
               <a:pPr/>
-              <a:t>11/15/2025</a:t>
+              <a:t>11/24/2025</a:t>
             </a:fld>
             <a:endParaRPr lang="en-US"/>
           </a:p>
@@ -1795,7 +1795,7 @@
             <a:fld id="{1D8BD707-D9CF-40AE-B4C6-C98DA3205C09}" type="datetimeFigureOut">
               <a:rPr lang="en-US" smtClean="0"/>
               <a:pPr/>
-              <a:t>11/15/2025</a:t>
+              <a:t>11/24/2025</a:t>
             </a:fld>
             <a:endParaRPr lang="en-US"/>
           </a:p>
@@ -1909,7 +1909,7 @@
             <a:fld id="{1D8BD707-D9CF-40AE-B4C6-C98DA3205C09}" type="datetimeFigureOut">
               <a:rPr lang="en-US" smtClean="0"/>
               <a:pPr/>
-              <a:t>11/15/2025</a:t>
+              <a:t>11/24/2025</a:t>
             </a:fld>
             <a:endParaRPr lang="en-US"/>
           </a:p>
@@ -2001,7 +2001,7 @@
             <a:fld id="{1D8BD707-D9CF-40AE-B4C6-C98DA3205C09}" type="datetimeFigureOut">
               <a:rPr lang="en-US" smtClean="0"/>
               <a:pPr/>
-              <a:t>11/15/2025</a:t>
+              <a:t>11/24/2025</a:t>
             </a:fld>
             <a:endParaRPr lang="en-US"/>
           </a:p>
@@ -2273,7 +2273,7 @@
             <a:fld id="{1D8BD707-D9CF-40AE-B4C6-C98DA3205C09}" type="datetimeFigureOut">
               <a:rPr lang="en-US" smtClean="0"/>
               <a:pPr/>
-              <a:t>11/15/2025</a:t>
+              <a:t>11/24/2025</a:t>
             </a:fld>
             <a:endParaRPr lang="en-US"/>
           </a:p>
@@ -2522,7 +2522,7 @@
             <a:fld id="{1D8BD707-D9CF-40AE-B4C6-C98DA3205C09}" type="datetimeFigureOut">
               <a:rPr lang="en-US" smtClean="0"/>
               <a:pPr/>
-              <a:t>11/15/2025</a:t>
+              <a:t>11/24/2025</a:t>
             </a:fld>
             <a:endParaRPr lang="en-US"/>
           </a:p>
@@ -2730,7 +2730,7 @@
             <a:fld id="{1D8BD707-D9CF-40AE-B4C6-C98DA3205C09}" type="datetimeFigureOut">
               <a:rPr lang="en-US" smtClean="0"/>
               <a:pPr/>
-              <a:t>11/15/2025</a:t>
+              <a:t>11/24/2025</a:t>
             </a:fld>
             <a:endParaRPr lang="en-US"/>
           </a:p>
@@ -3372,7 +3372,7 @@
         <p:spPr>
           <a:xfrm>
             <a:off x="785151" y="7260387"/>
-            <a:ext cx="12616379" cy="547370"/>
+            <a:ext cx="12616379" cy="3033716"/>
           </a:xfrm>
           <a:prstGeom prst="rect">
             <a:avLst/>
@@ -3386,18 +3386,121 @@
           <a:p>
             <a:pPr>
               <a:lnSpc>
+                <a:spcPts val="4900"/>
+              </a:lnSpc>
+            </a:pPr>
+            <a:r>
+              <a:rPr lang="en-US" sz="3200" spc="320" dirty="0" err="1">
+                <a:solidFill>
+                  <a:srgbClr val="000000"/>
+                </a:solidFill>
+                <a:latin typeface="Lato"/>
+              </a:rPr>
+              <a:t>Apresentado</a:t>
+            </a:r>
+            <a:r>
+              <a:rPr lang="en-US" sz="3200" spc="320" dirty="0">
+                <a:solidFill>
+                  <a:srgbClr val="000000"/>
+                </a:solidFill>
+                <a:latin typeface="Lato"/>
+              </a:rPr>
+              <a:t> </a:t>
+            </a:r>
+            <a:r>
+              <a:rPr lang="en-US" sz="3200" spc="320" dirty="0" err="1">
+                <a:solidFill>
+                  <a:srgbClr val="000000"/>
+                </a:solidFill>
+                <a:latin typeface="Lato"/>
+              </a:rPr>
+              <a:t>por</a:t>
+            </a:r>
+            <a:r>
+              <a:rPr lang="en-US" sz="3200" spc="320">
+                <a:solidFill>
+                  <a:srgbClr val="000000"/>
+                </a:solidFill>
+                <a:latin typeface="Lato"/>
+              </a:rPr>
+              <a:t>: </a:t>
+            </a:r>
+          </a:p>
+          <a:p>
+            <a:pPr>
+              <a:lnSpc>
+                <a:spcPts val="4900"/>
+              </a:lnSpc>
+            </a:pPr>
+            <a:r>
+              <a:rPr lang="en-US" sz="3200" spc="350">
+                <a:solidFill>
+                  <a:srgbClr val="000000"/>
+                </a:solidFill>
+                <a:latin typeface="Lato"/>
+              </a:rPr>
+              <a:t>Paulo Vitor</a:t>
+            </a:r>
+            <a:endParaRPr lang="en-US" sz="3200" spc="350" dirty="0">
+              <a:solidFill>
+                <a:srgbClr val="000000"/>
+              </a:solidFill>
+              <a:latin typeface="Lato"/>
+            </a:endParaRPr>
+          </a:p>
+          <a:p>
+            <a:pPr>
+              <a:lnSpc>
+                <a:spcPts val="4900"/>
+              </a:lnSpc>
+            </a:pPr>
+            <a:r>
+              <a:rPr lang="en-US" sz="3200" spc="350" dirty="0" err="1">
+                <a:solidFill>
+                  <a:srgbClr val="000000"/>
+                </a:solidFill>
+                <a:latin typeface="Lato"/>
+              </a:rPr>
+              <a:t>Talysson</a:t>
+            </a:r>
+            <a:r>
+              <a:rPr lang="en-US" sz="3200" spc="350" dirty="0">
+                <a:solidFill>
+                  <a:srgbClr val="000000"/>
+                </a:solidFill>
+                <a:latin typeface="Lato"/>
+              </a:rPr>
+              <a:t> Vasconcelos</a:t>
+            </a:r>
+          </a:p>
+          <a:p>
+            <a:pPr>
+              <a:lnSpc>
+                <a:spcPts val="4900"/>
+              </a:lnSpc>
+            </a:pPr>
+            <a:r>
+              <a:rPr lang="en-US" sz="3200" spc="350" dirty="0">
+                <a:solidFill>
+                  <a:srgbClr val="000000"/>
+                </a:solidFill>
+                <a:latin typeface="Lato"/>
+              </a:rPr>
+              <a:t>João Hungria</a:t>
+            </a:r>
+          </a:p>
+          <a:p>
+            <a:pPr>
+              <a:lnSpc>
                 <a:spcPts val="4480"/>
               </a:lnSpc>
             </a:pPr>
-            <a:r>
-              <a:rPr lang="en-US" sz="3200" spc="320">
-                <a:solidFill>
-                  <a:srgbClr val="000000"/>
-                </a:solidFill>
-                <a:latin typeface="Lato"/>
-              </a:rPr>
-              <a:t>Apresentado por: Eliane Dantas e Natalia Costa</a:t>
-            </a:r>
+            <a:endParaRPr lang="en-US" sz="3200" spc="320" dirty="0">
+              <a:solidFill>
+                <a:srgbClr val="000000"/>
+              </a:solidFill>
+              <a:latin typeface="Lato"/>
+            </a:endParaRPr>
           </a:p>
         </p:txBody>
       </p:sp>
